--- a/软件工程系列教学辅助网站/非受控文档/小组作业/PPT/PRD-G16-srs评审ppt-20171221.pptx
+++ b/软件工程系列教学辅助网站/非受控文档/小组作业/PPT/PRD-G16-srs评审ppt-20171221.pptx
@@ -12503,36 +12503,6 @@
           </a:extLst>
         </p:spPr>
       </p:pic>
-      <p:pic>
-        <p:nvPicPr>
-          <p:cNvPr id="2" name="图片 1">
-            <a:extLst>
-              <a:ext uri="{FF2B5EF4-FFF2-40B4-BE49-F238E27FC236}">
-                <a16:creationId xmlns:a16="http://schemas.microsoft.com/office/drawing/2014/main" id="{DAFAC010-8A16-4A3C-A027-A73FED11C3D6}"/>
-              </a:ext>
-            </a:extLst>
-          </p:cNvPr>
-          <p:cNvPicPr>
-            <a:picLocks noChangeAspect="1"/>
-          </p:cNvPicPr>
-          <p:nvPr/>
-        </p:nvPicPr>
-        <p:blipFill>
-          <a:blip r:embed="rId4"/>
-          <a:stretch>
-            <a:fillRect/>
-          </a:stretch>
-        </p:blipFill>
-        <p:spPr>
-          <a:xfrm>
-            <a:off x="1500874" y="958264"/>
-            <a:ext cx="6142252" cy="1044030"/>
-          </a:xfrm>
-          <a:prstGeom prst="rect">
-            <a:avLst/>
-          </a:prstGeom>
-        </p:spPr>
-      </p:pic>
       <p:sp>
         <p:nvSpPr>
           <p:cNvPr id="3" name="文本框 2">
@@ -12547,7 +12517,7 @@
         </p:nvSpPr>
         <p:spPr>
           <a:xfrm>
-            <a:off x="3906103" y="2700337"/>
+            <a:off x="7200073" y="4357687"/>
             <a:ext cx="1331793" cy="300082"/>
           </a:xfrm>
           <a:prstGeom prst="rect">
@@ -12568,6 +12538,36 @@
           </a:p>
         </p:txBody>
       </p:sp>
+      <p:pic>
+        <p:nvPicPr>
+          <p:cNvPr id="4" name="图片 3">
+            <a:extLst>
+              <a:ext uri="{FF2B5EF4-FFF2-40B4-BE49-F238E27FC236}">
+                <a16:creationId xmlns:a16="http://schemas.microsoft.com/office/drawing/2014/main" id="{5AC06A13-2FC8-4358-B380-9E3F68E5DED9}"/>
+              </a:ext>
+            </a:extLst>
+          </p:cNvPr>
+          <p:cNvPicPr>
+            <a:picLocks noChangeAspect="1"/>
+          </p:cNvPicPr>
+          <p:nvPr/>
+        </p:nvPicPr>
+        <p:blipFill>
+          <a:blip r:embed="rId4"/>
+          <a:stretch>
+            <a:fillRect/>
+          </a:stretch>
+        </p:blipFill>
+        <p:spPr>
+          <a:xfrm>
+            <a:off x="1187851" y="935929"/>
+            <a:ext cx="6340044" cy="338546"/>
+          </a:xfrm>
+          <a:prstGeom prst="rect">
+            <a:avLst/>
+          </a:prstGeom>
+        </p:spPr>
+      </p:pic>
     </p:spTree>
     <p:extLst>
       <p:ext uri="{BB962C8B-B14F-4D97-AF65-F5344CB8AC3E}">
